--- a/Calculator/계산기 프로그램 만들기.pptx
+++ b/Calculator/계산기 프로그램 만들기.pptx
@@ -2,14 +2,14 @@
 <file path=ppt/presentation.xml><?xml version="1.0" encoding="utf-8"?>
 <p:presentation xmlns:a="http://schemas.openxmlformats.org/drawingml/2006/main" xmlns:r="http://schemas.openxmlformats.org/officeDocument/2006/relationships" xmlns:p="http://schemas.openxmlformats.org/presentationml/2006/main" saveSubsetFonts="1">
   <p:sldMasterIdLst>
-    <p:sldMasterId id="2147483648" r:id="rId1"/>
+    <p:sldMasterId id="2147484031" r:id="rId1"/>
   </p:sldMasterIdLst>
   <p:sldIdLst>
     <p:sldId id="256" r:id="rId2"/>
     <p:sldId id="257" r:id="rId3"/>
   </p:sldIdLst>
   <p:sldSz cx="12192000" cy="6858000"/>
-  <p:notesSz cx="6858000" cy="9144000"/>
+  <p:notesSz cx="6735763" cy="9866313"/>
   <p:defaultTextStyle>
     <a:defPPr>
       <a:defRPr lang="ko-KR"/>
@@ -105,6 +105,11 @@
       </a:defRPr>
     </a:lvl9pPr>
   </p:defaultTextStyle>
+  <p:extLst>
+    <p:ext uri="{EFAFB233-063F-42B5-8137-9DF3F51BA10A}">
+      <p15:sldGuideLst xmlns:p15="http://schemas.microsoft.com/office/powerpoint/2012/main"/>
+    </p:ext>
+  </p:extLst>
 </p:presentation>
 </file>
 
@@ -130,7 +135,7 @@
           <p:cNvPr id="2" name="Title 1">
             <a:extLst>
               <a:ext uri="{FF2B5EF4-FFF2-40B4-BE49-F238E27FC236}">
-                <a16:creationId xmlns:a16="http://schemas.microsoft.com/office/drawing/2014/main" id="{61EBD80A-7752-4F22-B767-F00BC94F0314}"/>
+                <a16:creationId xmlns:a16="http://schemas.microsoft.com/office/drawing/2014/main" id="{29077F8D-788F-4459-83AE-2B672C4C5092}"/>
               </a:ext>
             </a:extLst>
           </p:cNvPr>
@@ -168,7 +173,7 @@
           <p:cNvPr id="3" name="Subtitle 2">
             <a:extLst>
               <a:ext uri="{FF2B5EF4-FFF2-40B4-BE49-F238E27FC236}">
-                <a16:creationId xmlns:a16="http://schemas.microsoft.com/office/drawing/2014/main" id="{89C89042-C1AF-4D0A-AC94-A6B9641BEF98}"/>
+                <a16:creationId xmlns:a16="http://schemas.microsoft.com/office/drawing/2014/main" id="{8FB0DD2A-664C-4B9E-95CC-04F0A92E255A}"/>
               </a:ext>
             </a:extLst>
           </p:cNvPr>
@@ -239,7 +244,7 @@
           <p:cNvPr id="4" name="Date Placeholder 3">
             <a:extLst>
               <a:ext uri="{FF2B5EF4-FFF2-40B4-BE49-F238E27FC236}">
-                <a16:creationId xmlns:a16="http://schemas.microsoft.com/office/drawing/2014/main" id="{A3026A21-EEB4-4663-A681-8CD38D4234FE}"/>
+                <a16:creationId xmlns:a16="http://schemas.microsoft.com/office/drawing/2014/main" id="{EB3CA5B4-07C5-44C5-88C5-0A03255EE595}"/>
               </a:ext>
             </a:extLst>
           </p:cNvPr>
@@ -257,7 +262,7 @@
           <a:p>
             <a:fld id="{B10F731C-8C3D-42B3-BECD-EBE9689F4777}" type="datetimeFigureOut">
               <a:rPr lang="ko-KR" altLang="en-US" smtClean="0"/>
-              <a:t>2019-01-15</a:t>
+              <a:t>2019-01-16</a:t>
             </a:fld>
             <a:endParaRPr lang="ko-KR" altLang="en-US"/>
           </a:p>
@@ -268,7 +273,7 @@
           <p:cNvPr id="5" name="Footer Placeholder 4">
             <a:extLst>
               <a:ext uri="{FF2B5EF4-FFF2-40B4-BE49-F238E27FC236}">
-                <a16:creationId xmlns:a16="http://schemas.microsoft.com/office/drawing/2014/main" id="{7769E1F4-6606-42FA-9CA9-0C25C0ED4C53}"/>
+                <a16:creationId xmlns:a16="http://schemas.microsoft.com/office/drawing/2014/main" id="{9C918B14-4B3A-4F00-8CCD-130EEA4152AC}"/>
               </a:ext>
             </a:extLst>
           </p:cNvPr>
@@ -293,7 +298,7 @@
           <p:cNvPr id="6" name="Slide Number Placeholder 5">
             <a:extLst>
               <a:ext uri="{FF2B5EF4-FFF2-40B4-BE49-F238E27FC236}">
-                <a16:creationId xmlns:a16="http://schemas.microsoft.com/office/drawing/2014/main" id="{FA7955E2-4AFE-4714-B41B-2FAD0088D24D}"/>
+                <a16:creationId xmlns:a16="http://schemas.microsoft.com/office/drawing/2014/main" id="{FFB2656B-F431-47E6-9ADD-381B8274D777}"/>
               </a:ext>
             </a:extLst>
           </p:cNvPr>
@@ -320,7 +325,7 @@
     </p:spTree>
     <p:extLst>
       <p:ext uri="{BB962C8B-B14F-4D97-AF65-F5344CB8AC3E}">
-        <p14:creationId xmlns:p14="http://schemas.microsoft.com/office/powerpoint/2010/main" val="763606016"/>
+        <p14:creationId xmlns:p14="http://schemas.microsoft.com/office/powerpoint/2010/main" val="2030217668"/>
       </p:ext>
     </p:extLst>
   </p:cSld>
@@ -352,7 +357,7 @@
           <p:cNvPr id="2" name="Title 1">
             <a:extLst>
               <a:ext uri="{FF2B5EF4-FFF2-40B4-BE49-F238E27FC236}">
-                <a16:creationId xmlns:a16="http://schemas.microsoft.com/office/drawing/2014/main" id="{EA288F91-A707-423E-B843-3E901B1D9489}"/>
+                <a16:creationId xmlns:a16="http://schemas.microsoft.com/office/drawing/2014/main" id="{4AC8DDFE-AA2C-4409-928A-775674E76CE7}"/>
               </a:ext>
             </a:extLst>
           </p:cNvPr>
@@ -381,7 +386,7 @@
           <p:cNvPr id="3" name="Vertical Text Placeholder 2">
             <a:extLst>
               <a:ext uri="{FF2B5EF4-FFF2-40B4-BE49-F238E27FC236}">
-                <a16:creationId xmlns:a16="http://schemas.microsoft.com/office/drawing/2014/main" id="{06400E7A-7C34-4E74-B3E8-3C382C045787}"/>
+                <a16:creationId xmlns:a16="http://schemas.microsoft.com/office/drawing/2014/main" id="{40944F37-7092-428B-A253-4D784616C8F7}"/>
               </a:ext>
             </a:extLst>
           </p:cNvPr>
@@ -439,7 +444,7 @@
           <p:cNvPr id="4" name="Date Placeholder 3">
             <a:extLst>
               <a:ext uri="{FF2B5EF4-FFF2-40B4-BE49-F238E27FC236}">
-                <a16:creationId xmlns:a16="http://schemas.microsoft.com/office/drawing/2014/main" id="{9FB9AB07-F65A-4661-B067-82CDE88F5E54}"/>
+                <a16:creationId xmlns:a16="http://schemas.microsoft.com/office/drawing/2014/main" id="{97CE0147-0B51-4780-BB4D-778F2370B474}"/>
               </a:ext>
             </a:extLst>
           </p:cNvPr>
@@ -457,7 +462,7 @@
           <a:p>
             <a:fld id="{B10F731C-8C3D-42B3-BECD-EBE9689F4777}" type="datetimeFigureOut">
               <a:rPr lang="ko-KR" altLang="en-US" smtClean="0"/>
-              <a:t>2019-01-15</a:t>
+              <a:t>2019-01-16</a:t>
             </a:fld>
             <a:endParaRPr lang="ko-KR" altLang="en-US"/>
           </a:p>
@@ -468,7 +473,7 @@
           <p:cNvPr id="5" name="Footer Placeholder 4">
             <a:extLst>
               <a:ext uri="{FF2B5EF4-FFF2-40B4-BE49-F238E27FC236}">
-                <a16:creationId xmlns:a16="http://schemas.microsoft.com/office/drawing/2014/main" id="{AF2B002B-E44F-4973-ACF5-9080A80D93BB}"/>
+                <a16:creationId xmlns:a16="http://schemas.microsoft.com/office/drawing/2014/main" id="{B866E96E-07D9-44F5-AF7A-0D2348D47869}"/>
               </a:ext>
             </a:extLst>
           </p:cNvPr>
@@ -493,7 +498,7 @@
           <p:cNvPr id="6" name="Slide Number Placeholder 5">
             <a:extLst>
               <a:ext uri="{FF2B5EF4-FFF2-40B4-BE49-F238E27FC236}">
-                <a16:creationId xmlns:a16="http://schemas.microsoft.com/office/drawing/2014/main" id="{B59978F9-3271-4A28-811F-1B1B59E1FA36}"/>
+                <a16:creationId xmlns:a16="http://schemas.microsoft.com/office/drawing/2014/main" id="{6552F053-4324-4A35-8D1D-AC08F14700D5}"/>
               </a:ext>
             </a:extLst>
           </p:cNvPr>
@@ -520,7 +525,7 @@
     </p:spTree>
     <p:extLst>
       <p:ext uri="{BB962C8B-B14F-4D97-AF65-F5344CB8AC3E}">
-        <p14:creationId xmlns:p14="http://schemas.microsoft.com/office/powerpoint/2010/main" val="2183578341"/>
+        <p14:creationId xmlns:p14="http://schemas.microsoft.com/office/powerpoint/2010/main" val="3578523513"/>
       </p:ext>
     </p:extLst>
   </p:cSld>
@@ -552,7 +557,7 @@
           <p:cNvPr id="2" name="Vertical Title 1">
             <a:extLst>
               <a:ext uri="{FF2B5EF4-FFF2-40B4-BE49-F238E27FC236}">
-                <a16:creationId xmlns:a16="http://schemas.microsoft.com/office/drawing/2014/main" id="{94F328ED-A473-493E-9136-4DD9604D23E6}"/>
+                <a16:creationId xmlns:a16="http://schemas.microsoft.com/office/drawing/2014/main" id="{B502F5CA-4E6C-417E-A920-40F9F9BA7729}"/>
               </a:ext>
             </a:extLst>
           </p:cNvPr>
@@ -586,7 +591,7 @@
           <p:cNvPr id="3" name="Vertical Text Placeholder 2">
             <a:extLst>
               <a:ext uri="{FF2B5EF4-FFF2-40B4-BE49-F238E27FC236}">
-                <a16:creationId xmlns:a16="http://schemas.microsoft.com/office/drawing/2014/main" id="{E49CBAA1-4A22-4230-ABA2-BD856C5522D1}"/>
+                <a16:creationId xmlns:a16="http://schemas.microsoft.com/office/drawing/2014/main" id="{8F78ADEA-A70F-40A9-B4CC-723B2AA6C5F8}"/>
               </a:ext>
             </a:extLst>
           </p:cNvPr>
@@ -649,7 +654,7 @@
           <p:cNvPr id="4" name="Date Placeholder 3">
             <a:extLst>
               <a:ext uri="{FF2B5EF4-FFF2-40B4-BE49-F238E27FC236}">
-                <a16:creationId xmlns:a16="http://schemas.microsoft.com/office/drawing/2014/main" id="{C148C7C0-FE18-48F9-BF70-A30E70743DD5}"/>
+                <a16:creationId xmlns:a16="http://schemas.microsoft.com/office/drawing/2014/main" id="{129D9DFA-8770-47F5-B011-BF67041D6F40}"/>
               </a:ext>
             </a:extLst>
           </p:cNvPr>
@@ -667,7 +672,7 @@
           <a:p>
             <a:fld id="{B10F731C-8C3D-42B3-BECD-EBE9689F4777}" type="datetimeFigureOut">
               <a:rPr lang="ko-KR" altLang="en-US" smtClean="0"/>
-              <a:t>2019-01-15</a:t>
+              <a:t>2019-01-16</a:t>
             </a:fld>
             <a:endParaRPr lang="ko-KR" altLang="en-US"/>
           </a:p>
@@ -678,7 +683,7 @@
           <p:cNvPr id="5" name="Footer Placeholder 4">
             <a:extLst>
               <a:ext uri="{FF2B5EF4-FFF2-40B4-BE49-F238E27FC236}">
-                <a16:creationId xmlns:a16="http://schemas.microsoft.com/office/drawing/2014/main" id="{12274037-C3A4-4481-9BC1-22461CA87B66}"/>
+                <a16:creationId xmlns:a16="http://schemas.microsoft.com/office/drawing/2014/main" id="{F2B84556-AF51-4F9C-B5FD-B357D4F3CD48}"/>
               </a:ext>
             </a:extLst>
           </p:cNvPr>
@@ -703,7 +708,7 @@
           <p:cNvPr id="6" name="Slide Number Placeholder 5">
             <a:extLst>
               <a:ext uri="{FF2B5EF4-FFF2-40B4-BE49-F238E27FC236}">
-                <a16:creationId xmlns:a16="http://schemas.microsoft.com/office/drawing/2014/main" id="{906EA507-B23D-4BDA-A024-6618FF0BE9F6}"/>
+                <a16:creationId xmlns:a16="http://schemas.microsoft.com/office/drawing/2014/main" id="{A3733C4E-00EB-4742-86CA-3B15C99190A5}"/>
               </a:ext>
             </a:extLst>
           </p:cNvPr>
@@ -730,7 +735,7 @@
     </p:spTree>
     <p:extLst>
       <p:ext uri="{BB962C8B-B14F-4D97-AF65-F5344CB8AC3E}">
-        <p14:creationId xmlns:p14="http://schemas.microsoft.com/office/powerpoint/2010/main" val="1597293432"/>
+        <p14:creationId xmlns:p14="http://schemas.microsoft.com/office/powerpoint/2010/main" val="2794287916"/>
       </p:ext>
     </p:extLst>
   </p:cSld>
@@ -762,7 +767,7 @@
           <p:cNvPr id="2" name="Title 1">
             <a:extLst>
               <a:ext uri="{FF2B5EF4-FFF2-40B4-BE49-F238E27FC236}">
-                <a16:creationId xmlns:a16="http://schemas.microsoft.com/office/drawing/2014/main" id="{6B831EA5-DAE1-409F-9B13-6B7A69C9655C}"/>
+                <a16:creationId xmlns:a16="http://schemas.microsoft.com/office/drawing/2014/main" id="{51D9C6F4-480F-4D80-82C6-4FBB58443353}"/>
               </a:ext>
             </a:extLst>
           </p:cNvPr>
@@ -791,7 +796,7 @@
           <p:cNvPr id="3" name="Content Placeholder 2">
             <a:extLst>
               <a:ext uri="{FF2B5EF4-FFF2-40B4-BE49-F238E27FC236}">
-                <a16:creationId xmlns:a16="http://schemas.microsoft.com/office/drawing/2014/main" id="{8416F4E7-DE01-44AD-9938-2EEB1804300E}"/>
+                <a16:creationId xmlns:a16="http://schemas.microsoft.com/office/drawing/2014/main" id="{911657D9-905A-4443-80DC-1D8744221762}"/>
               </a:ext>
             </a:extLst>
           </p:cNvPr>
@@ -849,7 +854,7 @@
           <p:cNvPr id="4" name="Date Placeholder 3">
             <a:extLst>
               <a:ext uri="{FF2B5EF4-FFF2-40B4-BE49-F238E27FC236}">
-                <a16:creationId xmlns:a16="http://schemas.microsoft.com/office/drawing/2014/main" id="{6488ABFA-1290-46E5-8164-7C46967DB456}"/>
+                <a16:creationId xmlns:a16="http://schemas.microsoft.com/office/drawing/2014/main" id="{0B0D96DE-D481-4DB4-B7E2-1227D9580B95}"/>
               </a:ext>
             </a:extLst>
           </p:cNvPr>
@@ -867,7 +872,7 @@
           <a:p>
             <a:fld id="{B10F731C-8C3D-42B3-BECD-EBE9689F4777}" type="datetimeFigureOut">
               <a:rPr lang="ko-KR" altLang="en-US" smtClean="0"/>
-              <a:t>2019-01-15</a:t>
+              <a:t>2019-01-16</a:t>
             </a:fld>
             <a:endParaRPr lang="ko-KR" altLang="en-US"/>
           </a:p>
@@ -878,7 +883,7 @@
           <p:cNvPr id="5" name="Footer Placeholder 4">
             <a:extLst>
               <a:ext uri="{FF2B5EF4-FFF2-40B4-BE49-F238E27FC236}">
-                <a16:creationId xmlns:a16="http://schemas.microsoft.com/office/drawing/2014/main" id="{57FD76BF-8D9A-4186-9483-A08780F85AFB}"/>
+                <a16:creationId xmlns:a16="http://schemas.microsoft.com/office/drawing/2014/main" id="{4A3B9E84-C778-401E-925F-E10A91F8759A}"/>
               </a:ext>
             </a:extLst>
           </p:cNvPr>
@@ -903,7 +908,7 @@
           <p:cNvPr id="6" name="Slide Number Placeholder 5">
             <a:extLst>
               <a:ext uri="{FF2B5EF4-FFF2-40B4-BE49-F238E27FC236}">
-                <a16:creationId xmlns:a16="http://schemas.microsoft.com/office/drawing/2014/main" id="{71AD55A0-5F98-40D8-8635-6CE5D367FCED}"/>
+                <a16:creationId xmlns:a16="http://schemas.microsoft.com/office/drawing/2014/main" id="{7C933BB6-7C43-489D-B86A-68D818371A88}"/>
               </a:ext>
             </a:extLst>
           </p:cNvPr>
@@ -930,7 +935,7 @@
     </p:spTree>
     <p:extLst>
       <p:ext uri="{BB962C8B-B14F-4D97-AF65-F5344CB8AC3E}">
-        <p14:creationId xmlns:p14="http://schemas.microsoft.com/office/powerpoint/2010/main" val="521221146"/>
+        <p14:creationId xmlns:p14="http://schemas.microsoft.com/office/powerpoint/2010/main" val="3531995380"/>
       </p:ext>
     </p:extLst>
   </p:cSld>
@@ -962,7 +967,7 @@
           <p:cNvPr id="2" name="Title 1">
             <a:extLst>
               <a:ext uri="{FF2B5EF4-FFF2-40B4-BE49-F238E27FC236}">
-                <a16:creationId xmlns:a16="http://schemas.microsoft.com/office/drawing/2014/main" id="{CC8A1B6E-7FC3-44AD-9757-A7B5818CB5C4}"/>
+                <a16:creationId xmlns:a16="http://schemas.microsoft.com/office/drawing/2014/main" id="{595FE1F1-4020-4EFE-9D34-F63AA3E4EFCC}"/>
               </a:ext>
             </a:extLst>
           </p:cNvPr>
@@ -1000,7 +1005,7 @@
           <p:cNvPr id="3" name="Text Placeholder 2">
             <a:extLst>
               <a:ext uri="{FF2B5EF4-FFF2-40B4-BE49-F238E27FC236}">
-                <a16:creationId xmlns:a16="http://schemas.microsoft.com/office/drawing/2014/main" id="{C54287B4-E9EA-4C47-878E-6ADF16E84EE6}"/>
+                <a16:creationId xmlns:a16="http://schemas.microsoft.com/office/drawing/2014/main" id="{9B3190C3-7DBC-45D4-BF91-F7CA95E4CAE6}"/>
               </a:ext>
             </a:extLst>
           </p:cNvPr>
@@ -1125,7 +1130,7 @@
           <p:cNvPr id="4" name="Date Placeholder 3">
             <a:extLst>
               <a:ext uri="{FF2B5EF4-FFF2-40B4-BE49-F238E27FC236}">
-                <a16:creationId xmlns:a16="http://schemas.microsoft.com/office/drawing/2014/main" id="{9345045F-4FA5-401C-A8C0-8D81274CECDC}"/>
+                <a16:creationId xmlns:a16="http://schemas.microsoft.com/office/drawing/2014/main" id="{E366F463-EED0-4BFD-8FE9-6644513D0BD3}"/>
               </a:ext>
             </a:extLst>
           </p:cNvPr>
@@ -1143,7 +1148,7 @@
           <a:p>
             <a:fld id="{B10F731C-8C3D-42B3-BECD-EBE9689F4777}" type="datetimeFigureOut">
               <a:rPr lang="ko-KR" altLang="en-US" smtClean="0"/>
-              <a:t>2019-01-15</a:t>
+              <a:t>2019-01-16</a:t>
             </a:fld>
             <a:endParaRPr lang="ko-KR" altLang="en-US"/>
           </a:p>
@@ -1154,7 +1159,7 @@
           <p:cNvPr id="5" name="Footer Placeholder 4">
             <a:extLst>
               <a:ext uri="{FF2B5EF4-FFF2-40B4-BE49-F238E27FC236}">
-                <a16:creationId xmlns:a16="http://schemas.microsoft.com/office/drawing/2014/main" id="{902DD62E-58BE-481E-8D7A-3E8A2B051B81}"/>
+                <a16:creationId xmlns:a16="http://schemas.microsoft.com/office/drawing/2014/main" id="{5564B45D-33B8-42C2-A471-50AE244DC94A}"/>
               </a:ext>
             </a:extLst>
           </p:cNvPr>
@@ -1179,7 +1184,7 @@
           <p:cNvPr id="6" name="Slide Number Placeholder 5">
             <a:extLst>
               <a:ext uri="{FF2B5EF4-FFF2-40B4-BE49-F238E27FC236}">
-                <a16:creationId xmlns:a16="http://schemas.microsoft.com/office/drawing/2014/main" id="{5E835CA2-2396-461B-8B5F-50BE10D18AB7}"/>
+                <a16:creationId xmlns:a16="http://schemas.microsoft.com/office/drawing/2014/main" id="{9D9B93BA-EBF1-4212-84AA-B14A8521155A}"/>
               </a:ext>
             </a:extLst>
           </p:cNvPr>
@@ -1206,7 +1211,7 @@
     </p:spTree>
     <p:extLst>
       <p:ext uri="{BB962C8B-B14F-4D97-AF65-F5344CB8AC3E}">
-        <p14:creationId xmlns:p14="http://schemas.microsoft.com/office/powerpoint/2010/main" val="13770330"/>
+        <p14:creationId xmlns:p14="http://schemas.microsoft.com/office/powerpoint/2010/main" val="3822122623"/>
       </p:ext>
     </p:extLst>
   </p:cSld>
@@ -1238,7 +1243,7 @@
           <p:cNvPr id="2" name="Title 1">
             <a:extLst>
               <a:ext uri="{FF2B5EF4-FFF2-40B4-BE49-F238E27FC236}">
-                <a16:creationId xmlns:a16="http://schemas.microsoft.com/office/drawing/2014/main" id="{1B9C9F89-CFDE-40E7-ACF1-8256E249DF1C}"/>
+                <a16:creationId xmlns:a16="http://schemas.microsoft.com/office/drawing/2014/main" id="{893949DF-043E-4C80-AAEF-132B67BC1376}"/>
               </a:ext>
             </a:extLst>
           </p:cNvPr>
@@ -1267,7 +1272,7 @@
           <p:cNvPr id="3" name="Content Placeholder 2">
             <a:extLst>
               <a:ext uri="{FF2B5EF4-FFF2-40B4-BE49-F238E27FC236}">
-                <a16:creationId xmlns:a16="http://schemas.microsoft.com/office/drawing/2014/main" id="{4E23118C-07CE-4DEA-B683-BC6C52D53303}"/>
+                <a16:creationId xmlns:a16="http://schemas.microsoft.com/office/drawing/2014/main" id="{5AB6CCDC-6BF0-4746-80E2-437603A726DA}"/>
               </a:ext>
             </a:extLst>
           </p:cNvPr>
@@ -1330,7 +1335,7 @@
           <p:cNvPr id="4" name="Content Placeholder 3">
             <a:extLst>
               <a:ext uri="{FF2B5EF4-FFF2-40B4-BE49-F238E27FC236}">
-                <a16:creationId xmlns:a16="http://schemas.microsoft.com/office/drawing/2014/main" id="{99772679-789B-452F-B812-7AA5E2B980D2}"/>
+                <a16:creationId xmlns:a16="http://schemas.microsoft.com/office/drawing/2014/main" id="{28F97488-BEBD-4D2B-B1E9-FD549399E261}"/>
               </a:ext>
             </a:extLst>
           </p:cNvPr>
@@ -1393,7 +1398,7 @@
           <p:cNvPr id="5" name="Date Placeholder 4">
             <a:extLst>
               <a:ext uri="{FF2B5EF4-FFF2-40B4-BE49-F238E27FC236}">
-                <a16:creationId xmlns:a16="http://schemas.microsoft.com/office/drawing/2014/main" id="{FD70CB7E-9E2C-4D3D-BEF1-18AC66DCF214}"/>
+                <a16:creationId xmlns:a16="http://schemas.microsoft.com/office/drawing/2014/main" id="{8C03C564-6E62-4D6A-B575-8F809E23C24E}"/>
               </a:ext>
             </a:extLst>
           </p:cNvPr>
@@ -1411,7 +1416,7 @@
           <a:p>
             <a:fld id="{B10F731C-8C3D-42B3-BECD-EBE9689F4777}" type="datetimeFigureOut">
               <a:rPr lang="ko-KR" altLang="en-US" smtClean="0"/>
-              <a:t>2019-01-15</a:t>
+              <a:t>2019-01-16</a:t>
             </a:fld>
             <a:endParaRPr lang="ko-KR" altLang="en-US"/>
           </a:p>
@@ -1422,7 +1427,7 @@
           <p:cNvPr id="6" name="Footer Placeholder 5">
             <a:extLst>
               <a:ext uri="{FF2B5EF4-FFF2-40B4-BE49-F238E27FC236}">
-                <a16:creationId xmlns:a16="http://schemas.microsoft.com/office/drawing/2014/main" id="{5C5C6414-91E5-49B8-82BA-001FD6C1544A}"/>
+                <a16:creationId xmlns:a16="http://schemas.microsoft.com/office/drawing/2014/main" id="{3158C720-08A9-4C67-A4D0-4020F1740657}"/>
               </a:ext>
             </a:extLst>
           </p:cNvPr>
@@ -1447,7 +1452,7 @@
           <p:cNvPr id="7" name="Slide Number Placeholder 6">
             <a:extLst>
               <a:ext uri="{FF2B5EF4-FFF2-40B4-BE49-F238E27FC236}">
-                <a16:creationId xmlns:a16="http://schemas.microsoft.com/office/drawing/2014/main" id="{54C0175B-CC0D-4E39-A7A0-38DF0750F04E}"/>
+                <a16:creationId xmlns:a16="http://schemas.microsoft.com/office/drawing/2014/main" id="{E71A58C7-11ED-41E2-8DD6-0EBE6CBC80CF}"/>
               </a:ext>
             </a:extLst>
           </p:cNvPr>
@@ -1474,13 +1479,18 @@
     </p:spTree>
     <p:extLst>
       <p:ext uri="{BB962C8B-B14F-4D97-AF65-F5344CB8AC3E}">
-        <p14:creationId xmlns:p14="http://schemas.microsoft.com/office/powerpoint/2010/main" val="4201500979"/>
+        <p14:creationId xmlns:p14="http://schemas.microsoft.com/office/powerpoint/2010/main" val="2231483292"/>
       </p:ext>
     </p:extLst>
   </p:cSld>
   <p:clrMapOvr>
     <a:masterClrMapping/>
   </p:clrMapOvr>
+  <p:extLst>
+    <p:ext uri="{DCECCB84-F9BA-43D5-87BE-67443E8EF086}">
+      <p15:sldGuideLst xmlns:p15="http://schemas.microsoft.com/office/powerpoint/2012/main"/>
+    </p:ext>
+  </p:extLst>
 </p:sldLayout>
 </file>
 
@@ -1506,7 +1516,7 @@
           <p:cNvPr id="2" name="Title 1">
             <a:extLst>
               <a:ext uri="{FF2B5EF4-FFF2-40B4-BE49-F238E27FC236}">
-                <a16:creationId xmlns:a16="http://schemas.microsoft.com/office/drawing/2014/main" id="{23F4FFBF-FC3B-44CB-A0E9-05BBEBE8F66A}"/>
+                <a16:creationId xmlns:a16="http://schemas.microsoft.com/office/drawing/2014/main" id="{5229632E-421F-43E0-9902-35152FFEFFB0}"/>
               </a:ext>
             </a:extLst>
           </p:cNvPr>
@@ -1540,7 +1550,7 @@
           <p:cNvPr id="3" name="Text Placeholder 2">
             <a:extLst>
               <a:ext uri="{FF2B5EF4-FFF2-40B4-BE49-F238E27FC236}">
-                <a16:creationId xmlns:a16="http://schemas.microsoft.com/office/drawing/2014/main" id="{90E90387-EFED-48F3-B4D5-BCA0FD3E0F3E}"/>
+                <a16:creationId xmlns:a16="http://schemas.microsoft.com/office/drawing/2014/main" id="{8FA7172D-450A-461E-8DD2-D94B6BD0F3A1}"/>
               </a:ext>
             </a:extLst>
           </p:cNvPr>
@@ -1611,7 +1621,7 @@
           <p:cNvPr id="4" name="Content Placeholder 3">
             <a:extLst>
               <a:ext uri="{FF2B5EF4-FFF2-40B4-BE49-F238E27FC236}">
-                <a16:creationId xmlns:a16="http://schemas.microsoft.com/office/drawing/2014/main" id="{38715A45-E909-4682-A701-F553AC8DE43E}"/>
+                <a16:creationId xmlns:a16="http://schemas.microsoft.com/office/drawing/2014/main" id="{FF302AAA-AA07-4F45-B7E0-37127C2A76E2}"/>
               </a:ext>
             </a:extLst>
           </p:cNvPr>
@@ -1674,7 +1684,7 @@
           <p:cNvPr id="5" name="Text Placeholder 4">
             <a:extLst>
               <a:ext uri="{FF2B5EF4-FFF2-40B4-BE49-F238E27FC236}">
-                <a16:creationId xmlns:a16="http://schemas.microsoft.com/office/drawing/2014/main" id="{90917217-B0D9-41B6-9367-F92E92D42873}"/>
+                <a16:creationId xmlns:a16="http://schemas.microsoft.com/office/drawing/2014/main" id="{E9EBB00D-7104-4D86-8226-523057D77C65}"/>
               </a:ext>
             </a:extLst>
           </p:cNvPr>
@@ -1745,7 +1755,7 @@
           <p:cNvPr id="6" name="Content Placeholder 5">
             <a:extLst>
               <a:ext uri="{FF2B5EF4-FFF2-40B4-BE49-F238E27FC236}">
-                <a16:creationId xmlns:a16="http://schemas.microsoft.com/office/drawing/2014/main" id="{53F0B186-27CF-47B0-A550-94D43B3AC902}"/>
+                <a16:creationId xmlns:a16="http://schemas.microsoft.com/office/drawing/2014/main" id="{928C1321-A9E2-434D-A855-4487ECA1AEDE}"/>
               </a:ext>
             </a:extLst>
           </p:cNvPr>
@@ -1808,7 +1818,7 @@
           <p:cNvPr id="7" name="Date Placeholder 6">
             <a:extLst>
               <a:ext uri="{FF2B5EF4-FFF2-40B4-BE49-F238E27FC236}">
-                <a16:creationId xmlns:a16="http://schemas.microsoft.com/office/drawing/2014/main" id="{92CCCDA7-8988-4580-A5AE-1B3A8DE5C51D}"/>
+                <a16:creationId xmlns:a16="http://schemas.microsoft.com/office/drawing/2014/main" id="{5DD69ACE-5B8A-4AD8-A684-F38D76C6E913}"/>
               </a:ext>
             </a:extLst>
           </p:cNvPr>
@@ -1826,7 +1836,7 @@
           <a:p>
             <a:fld id="{B10F731C-8C3D-42B3-BECD-EBE9689F4777}" type="datetimeFigureOut">
               <a:rPr lang="ko-KR" altLang="en-US" smtClean="0"/>
-              <a:t>2019-01-15</a:t>
+              <a:t>2019-01-16</a:t>
             </a:fld>
             <a:endParaRPr lang="ko-KR" altLang="en-US"/>
           </a:p>
@@ -1837,7 +1847,7 @@
           <p:cNvPr id="8" name="Footer Placeholder 7">
             <a:extLst>
               <a:ext uri="{FF2B5EF4-FFF2-40B4-BE49-F238E27FC236}">
-                <a16:creationId xmlns:a16="http://schemas.microsoft.com/office/drawing/2014/main" id="{38E4BF26-8C38-4D90-ADC2-E97E7C1E9857}"/>
+                <a16:creationId xmlns:a16="http://schemas.microsoft.com/office/drawing/2014/main" id="{0186375B-0750-459F-894F-6745203987BD}"/>
               </a:ext>
             </a:extLst>
           </p:cNvPr>
@@ -1862,7 +1872,7 @@
           <p:cNvPr id="9" name="Slide Number Placeholder 8">
             <a:extLst>
               <a:ext uri="{FF2B5EF4-FFF2-40B4-BE49-F238E27FC236}">
-                <a16:creationId xmlns:a16="http://schemas.microsoft.com/office/drawing/2014/main" id="{5F51BC43-738B-4B54-9687-5F43655A5F34}"/>
+                <a16:creationId xmlns:a16="http://schemas.microsoft.com/office/drawing/2014/main" id="{16DDFB72-38BD-4F3D-A145-F2245BCC3285}"/>
               </a:ext>
             </a:extLst>
           </p:cNvPr>
@@ -1889,13 +1899,18 @@
     </p:spTree>
     <p:extLst>
       <p:ext uri="{BB962C8B-B14F-4D97-AF65-F5344CB8AC3E}">
-        <p14:creationId xmlns:p14="http://schemas.microsoft.com/office/powerpoint/2010/main" val="859736361"/>
+        <p14:creationId xmlns:p14="http://schemas.microsoft.com/office/powerpoint/2010/main" val="3077765616"/>
       </p:ext>
     </p:extLst>
   </p:cSld>
   <p:clrMapOvr>
     <a:masterClrMapping/>
   </p:clrMapOvr>
+  <p:extLst>
+    <p:ext uri="{DCECCB84-F9BA-43D5-87BE-67443E8EF086}">
+      <p15:sldGuideLst xmlns:p15="http://schemas.microsoft.com/office/powerpoint/2012/main"/>
+    </p:ext>
+  </p:extLst>
 </p:sldLayout>
 </file>
 
@@ -1921,7 +1936,7 @@
           <p:cNvPr id="2" name="Title 1">
             <a:extLst>
               <a:ext uri="{FF2B5EF4-FFF2-40B4-BE49-F238E27FC236}">
-                <a16:creationId xmlns:a16="http://schemas.microsoft.com/office/drawing/2014/main" id="{857BCFA7-96AB-4A44-BBF8-AB6E6495CA05}"/>
+                <a16:creationId xmlns:a16="http://schemas.microsoft.com/office/drawing/2014/main" id="{7E0376F3-0936-4510-B38D-44B60796F05E}"/>
               </a:ext>
             </a:extLst>
           </p:cNvPr>
@@ -1950,7 +1965,7 @@
           <p:cNvPr id="3" name="Date Placeholder 2">
             <a:extLst>
               <a:ext uri="{FF2B5EF4-FFF2-40B4-BE49-F238E27FC236}">
-                <a16:creationId xmlns:a16="http://schemas.microsoft.com/office/drawing/2014/main" id="{41AEA2C7-2520-4D40-A961-25BC3BFAC49E}"/>
+                <a16:creationId xmlns:a16="http://schemas.microsoft.com/office/drawing/2014/main" id="{5C220DA7-1279-4976-A953-21CA73422F5C}"/>
               </a:ext>
             </a:extLst>
           </p:cNvPr>
@@ -1968,7 +1983,7 @@
           <a:p>
             <a:fld id="{B10F731C-8C3D-42B3-BECD-EBE9689F4777}" type="datetimeFigureOut">
               <a:rPr lang="ko-KR" altLang="en-US" smtClean="0"/>
-              <a:t>2019-01-15</a:t>
+              <a:t>2019-01-16</a:t>
             </a:fld>
             <a:endParaRPr lang="ko-KR" altLang="en-US"/>
           </a:p>
@@ -1979,7 +1994,7 @@
           <p:cNvPr id="4" name="Footer Placeholder 3">
             <a:extLst>
               <a:ext uri="{FF2B5EF4-FFF2-40B4-BE49-F238E27FC236}">
-                <a16:creationId xmlns:a16="http://schemas.microsoft.com/office/drawing/2014/main" id="{D61BA8CC-9204-49F1-893B-C38DAB406E69}"/>
+                <a16:creationId xmlns:a16="http://schemas.microsoft.com/office/drawing/2014/main" id="{AE65EB61-6C56-4E11-A158-278A48C803C0}"/>
               </a:ext>
             </a:extLst>
           </p:cNvPr>
@@ -2004,7 +2019,7 @@
           <p:cNvPr id="5" name="Slide Number Placeholder 4">
             <a:extLst>
               <a:ext uri="{FF2B5EF4-FFF2-40B4-BE49-F238E27FC236}">
-                <a16:creationId xmlns:a16="http://schemas.microsoft.com/office/drawing/2014/main" id="{7954B1ED-562C-4799-91E1-684F8E9FA981}"/>
+                <a16:creationId xmlns:a16="http://schemas.microsoft.com/office/drawing/2014/main" id="{F2EBAC8C-39F3-42A5-8B86-6C7E6FCD4A45}"/>
               </a:ext>
             </a:extLst>
           </p:cNvPr>
@@ -2031,7 +2046,7 @@
     </p:spTree>
     <p:extLst>
       <p:ext uri="{BB962C8B-B14F-4D97-AF65-F5344CB8AC3E}">
-        <p14:creationId xmlns:p14="http://schemas.microsoft.com/office/powerpoint/2010/main" val="1274657935"/>
+        <p14:creationId xmlns:p14="http://schemas.microsoft.com/office/powerpoint/2010/main" val="1589637338"/>
       </p:ext>
     </p:extLst>
   </p:cSld>
@@ -2063,7 +2078,7 @@
           <p:cNvPr id="2" name="Date Placeholder 1">
             <a:extLst>
               <a:ext uri="{FF2B5EF4-FFF2-40B4-BE49-F238E27FC236}">
-                <a16:creationId xmlns:a16="http://schemas.microsoft.com/office/drawing/2014/main" id="{DF287681-ED4F-4BAF-BE50-9DB089F2A5E6}"/>
+                <a16:creationId xmlns:a16="http://schemas.microsoft.com/office/drawing/2014/main" id="{A5D2CC43-BE1E-41CB-A957-42F333D9191C}"/>
               </a:ext>
             </a:extLst>
           </p:cNvPr>
@@ -2081,7 +2096,7 @@
           <a:p>
             <a:fld id="{B10F731C-8C3D-42B3-BECD-EBE9689F4777}" type="datetimeFigureOut">
               <a:rPr lang="ko-KR" altLang="en-US" smtClean="0"/>
-              <a:t>2019-01-15</a:t>
+              <a:t>2019-01-16</a:t>
             </a:fld>
             <a:endParaRPr lang="ko-KR" altLang="en-US"/>
           </a:p>
@@ -2092,7 +2107,7 @@
           <p:cNvPr id="3" name="Footer Placeholder 2">
             <a:extLst>
               <a:ext uri="{FF2B5EF4-FFF2-40B4-BE49-F238E27FC236}">
-                <a16:creationId xmlns:a16="http://schemas.microsoft.com/office/drawing/2014/main" id="{016C0845-9E7E-4743-8BC9-98B936D85BB6}"/>
+                <a16:creationId xmlns:a16="http://schemas.microsoft.com/office/drawing/2014/main" id="{A5279DE4-58B5-4180-8F23-64FC24229E68}"/>
               </a:ext>
             </a:extLst>
           </p:cNvPr>
@@ -2117,7 +2132,7 @@
           <p:cNvPr id="4" name="Slide Number Placeholder 3">
             <a:extLst>
               <a:ext uri="{FF2B5EF4-FFF2-40B4-BE49-F238E27FC236}">
-                <a16:creationId xmlns:a16="http://schemas.microsoft.com/office/drawing/2014/main" id="{48EBCFAB-19AB-449D-A00F-1D41639ABF92}"/>
+                <a16:creationId xmlns:a16="http://schemas.microsoft.com/office/drawing/2014/main" id="{676CD0BE-EEC0-4319-B7FC-1AE317DCA064}"/>
               </a:ext>
             </a:extLst>
           </p:cNvPr>
@@ -2144,7 +2159,7 @@
     </p:spTree>
     <p:extLst>
       <p:ext uri="{BB962C8B-B14F-4D97-AF65-F5344CB8AC3E}">
-        <p14:creationId xmlns:p14="http://schemas.microsoft.com/office/powerpoint/2010/main" val="3606011825"/>
+        <p14:creationId xmlns:p14="http://schemas.microsoft.com/office/powerpoint/2010/main" val="1036051623"/>
       </p:ext>
     </p:extLst>
   </p:cSld>
@@ -2176,7 +2191,7 @@
           <p:cNvPr id="2" name="Title 1">
             <a:extLst>
               <a:ext uri="{FF2B5EF4-FFF2-40B4-BE49-F238E27FC236}">
-                <a16:creationId xmlns:a16="http://schemas.microsoft.com/office/drawing/2014/main" id="{48F0D00F-926D-4412-801B-FA643651DD55}"/>
+                <a16:creationId xmlns:a16="http://schemas.microsoft.com/office/drawing/2014/main" id="{C9803AC3-A8C7-478B-9FC5-5779CB818A19}"/>
               </a:ext>
             </a:extLst>
           </p:cNvPr>
@@ -2214,7 +2229,7 @@
           <p:cNvPr id="3" name="Content Placeholder 2">
             <a:extLst>
               <a:ext uri="{FF2B5EF4-FFF2-40B4-BE49-F238E27FC236}">
-                <a16:creationId xmlns:a16="http://schemas.microsoft.com/office/drawing/2014/main" id="{4B79B002-614B-44C0-B9B8-7CB6AB56EE42}"/>
+                <a16:creationId xmlns:a16="http://schemas.microsoft.com/office/drawing/2014/main" id="{4E59AEDB-1416-4E73-BB2D-EAD66E762A00}"/>
               </a:ext>
             </a:extLst>
           </p:cNvPr>
@@ -2305,7 +2320,7 @@
           <p:cNvPr id="4" name="Text Placeholder 3">
             <a:extLst>
               <a:ext uri="{FF2B5EF4-FFF2-40B4-BE49-F238E27FC236}">
-                <a16:creationId xmlns:a16="http://schemas.microsoft.com/office/drawing/2014/main" id="{15B0A0CE-AEC9-4813-B069-0FC1DA088C8F}"/>
+                <a16:creationId xmlns:a16="http://schemas.microsoft.com/office/drawing/2014/main" id="{D37709DA-E3C3-4A68-8730-A959AF4F9337}"/>
               </a:ext>
             </a:extLst>
           </p:cNvPr>
@@ -2376,7 +2391,7 @@
           <p:cNvPr id="5" name="Date Placeholder 4">
             <a:extLst>
               <a:ext uri="{FF2B5EF4-FFF2-40B4-BE49-F238E27FC236}">
-                <a16:creationId xmlns:a16="http://schemas.microsoft.com/office/drawing/2014/main" id="{19D5AC45-F5EA-4938-8881-DB87855CF0BB}"/>
+                <a16:creationId xmlns:a16="http://schemas.microsoft.com/office/drawing/2014/main" id="{169EE869-9A5E-486C-9C01-074A4509600C}"/>
               </a:ext>
             </a:extLst>
           </p:cNvPr>
@@ -2394,7 +2409,7 @@
           <a:p>
             <a:fld id="{B10F731C-8C3D-42B3-BECD-EBE9689F4777}" type="datetimeFigureOut">
               <a:rPr lang="ko-KR" altLang="en-US" smtClean="0"/>
-              <a:t>2019-01-15</a:t>
+              <a:t>2019-01-16</a:t>
             </a:fld>
             <a:endParaRPr lang="ko-KR" altLang="en-US"/>
           </a:p>
@@ -2405,7 +2420,7 @@
           <p:cNvPr id="6" name="Footer Placeholder 5">
             <a:extLst>
               <a:ext uri="{FF2B5EF4-FFF2-40B4-BE49-F238E27FC236}">
-                <a16:creationId xmlns:a16="http://schemas.microsoft.com/office/drawing/2014/main" id="{1DDD030E-7299-4436-8422-C9CCDE051B5C}"/>
+                <a16:creationId xmlns:a16="http://schemas.microsoft.com/office/drawing/2014/main" id="{C45B09EC-B282-45F1-A3FF-427E2CB48018}"/>
               </a:ext>
             </a:extLst>
           </p:cNvPr>
@@ -2430,7 +2445,7 @@
           <p:cNvPr id="7" name="Slide Number Placeholder 6">
             <a:extLst>
               <a:ext uri="{FF2B5EF4-FFF2-40B4-BE49-F238E27FC236}">
-                <a16:creationId xmlns:a16="http://schemas.microsoft.com/office/drawing/2014/main" id="{874186B3-9207-412B-8523-47EFA0D7A18D}"/>
+                <a16:creationId xmlns:a16="http://schemas.microsoft.com/office/drawing/2014/main" id="{499234A1-42FF-44DB-A11E-05016F3A12A2}"/>
               </a:ext>
             </a:extLst>
           </p:cNvPr>
@@ -2457,13 +2472,18 @@
     </p:spTree>
     <p:extLst>
       <p:ext uri="{BB962C8B-B14F-4D97-AF65-F5344CB8AC3E}">
-        <p14:creationId xmlns:p14="http://schemas.microsoft.com/office/powerpoint/2010/main" val="773858494"/>
+        <p14:creationId xmlns:p14="http://schemas.microsoft.com/office/powerpoint/2010/main" val="2861974269"/>
       </p:ext>
     </p:extLst>
   </p:cSld>
   <p:clrMapOvr>
     <a:masterClrMapping/>
   </p:clrMapOvr>
+  <p:extLst>
+    <p:ext uri="{DCECCB84-F9BA-43D5-87BE-67443E8EF086}">
+      <p15:sldGuideLst xmlns:p15="http://schemas.microsoft.com/office/powerpoint/2012/main"/>
+    </p:ext>
+  </p:extLst>
 </p:sldLayout>
 </file>
 
@@ -2489,7 +2509,7 @@
           <p:cNvPr id="2" name="Title 1">
             <a:extLst>
               <a:ext uri="{FF2B5EF4-FFF2-40B4-BE49-F238E27FC236}">
-                <a16:creationId xmlns:a16="http://schemas.microsoft.com/office/drawing/2014/main" id="{74A6DC69-4AA6-465C-A901-D61BA084CEF4}"/>
+                <a16:creationId xmlns:a16="http://schemas.microsoft.com/office/drawing/2014/main" id="{20E865CF-01DB-40CC-B499-780FFD32FB72}"/>
               </a:ext>
             </a:extLst>
           </p:cNvPr>
@@ -2527,7 +2547,7 @@
           <p:cNvPr id="3" name="Picture Placeholder 2">
             <a:extLst>
               <a:ext uri="{FF2B5EF4-FFF2-40B4-BE49-F238E27FC236}">
-                <a16:creationId xmlns:a16="http://schemas.microsoft.com/office/drawing/2014/main" id="{5E9CC8EF-7361-4409-B89B-5826CA3D13B2}"/>
+                <a16:creationId xmlns:a16="http://schemas.microsoft.com/office/drawing/2014/main" id="{CE1C7FFE-320C-43A7-91F9-969F7CB5F67C}"/>
               </a:ext>
             </a:extLst>
           </p:cNvPr>
@@ -2594,7 +2614,7 @@
           <p:cNvPr id="4" name="Text Placeholder 3">
             <a:extLst>
               <a:ext uri="{FF2B5EF4-FFF2-40B4-BE49-F238E27FC236}">
-                <a16:creationId xmlns:a16="http://schemas.microsoft.com/office/drawing/2014/main" id="{37B16E7E-A005-46CE-9160-52867810147E}"/>
+                <a16:creationId xmlns:a16="http://schemas.microsoft.com/office/drawing/2014/main" id="{0C3AD16A-8276-4B60-8BFF-7F3DB2034D62}"/>
               </a:ext>
             </a:extLst>
           </p:cNvPr>
@@ -2665,7 +2685,7 @@
           <p:cNvPr id="5" name="Date Placeholder 4">
             <a:extLst>
               <a:ext uri="{FF2B5EF4-FFF2-40B4-BE49-F238E27FC236}">
-                <a16:creationId xmlns:a16="http://schemas.microsoft.com/office/drawing/2014/main" id="{EF4BA93E-0651-42F8-A925-CA58C00D5C14}"/>
+                <a16:creationId xmlns:a16="http://schemas.microsoft.com/office/drawing/2014/main" id="{A075C7BF-3FE3-48C6-A17C-0F6E5F974AE1}"/>
               </a:ext>
             </a:extLst>
           </p:cNvPr>
@@ -2683,7 +2703,7 @@
           <a:p>
             <a:fld id="{B10F731C-8C3D-42B3-BECD-EBE9689F4777}" type="datetimeFigureOut">
               <a:rPr lang="ko-KR" altLang="en-US" smtClean="0"/>
-              <a:t>2019-01-15</a:t>
+              <a:t>2019-01-16</a:t>
             </a:fld>
             <a:endParaRPr lang="ko-KR" altLang="en-US"/>
           </a:p>
@@ -2694,7 +2714,7 @@
           <p:cNvPr id="6" name="Footer Placeholder 5">
             <a:extLst>
               <a:ext uri="{FF2B5EF4-FFF2-40B4-BE49-F238E27FC236}">
-                <a16:creationId xmlns:a16="http://schemas.microsoft.com/office/drawing/2014/main" id="{74E5699B-F46F-4724-8BA3-47E2F77F2B1E}"/>
+                <a16:creationId xmlns:a16="http://schemas.microsoft.com/office/drawing/2014/main" id="{DAE462AD-9001-45AD-BBB0-C01008C38754}"/>
               </a:ext>
             </a:extLst>
           </p:cNvPr>
@@ -2719,7 +2739,7 @@
           <p:cNvPr id="7" name="Slide Number Placeholder 6">
             <a:extLst>
               <a:ext uri="{FF2B5EF4-FFF2-40B4-BE49-F238E27FC236}">
-                <a16:creationId xmlns:a16="http://schemas.microsoft.com/office/drawing/2014/main" id="{4D264692-518E-4BBD-B4D3-B093F7FDF00F}"/>
+                <a16:creationId xmlns:a16="http://schemas.microsoft.com/office/drawing/2014/main" id="{3633EE84-32DF-4AFD-A40A-134732EF088E}"/>
               </a:ext>
             </a:extLst>
           </p:cNvPr>
@@ -2746,7 +2766,7 @@
     </p:spTree>
     <p:extLst>
       <p:ext uri="{BB962C8B-B14F-4D97-AF65-F5344CB8AC3E}">
-        <p14:creationId xmlns:p14="http://schemas.microsoft.com/office/powerpoint/2010/main" val="3907898262"/>
+        <p14:creationId xmlns:p14="http://schemas.microsoft.com/office/powerpoint/2010/main" val="3052965391"/>
       </p:ext>
     </p:extLst>
   </p:cSld>
@@ -2783,7 +2803,7 @@
           <p:cNvPr id="2" name="Title Placeholder 1">
             <a:extLst>
               <a:ext uri="{FF2B5EF4-FFF2-40B4-BE49-F238E27FC236}">
-                <a16:creationId xmlns:a16="http://schemas.microsoft.com/office/drawing/2014/main" id="{45A77391-D3A5-47E3-B964-E524772A10E8}"/>
+                <a16:creationId xmlns:a16="http://schemas.microsoft.com/office/drawing/2014/main" id="{6FCFBD0B-7059-4929-826D-69700C6649B3}"/>
               </a:ext>
             </a:extLst>
           </p:cNvPr>
@@ -2822,7 +2842,7 @@
           <p:cNvPr id="3" name="Text Placeholder 2">
             <a:extLst>
               <a:ext uri="{FF2B5EF4-FFF2-40B4-BE49-F238E27FC236}">
-                <a16:creationId xmlns:a16="http://schemas.microsoft.com/office/drawing/2014/main" id="{DCBEB84A-B2EF-4A0E-A082-53D134049FD0}"/>
+                <a16:creationId xmlns:a16="http://schemas.microsoft.com/office/drawing/2014/main" id="{96012E71-3A3B-4DDB-A5BA-CD51559398F3}"/>
               </a:ext>
             </a:extLst>
           </p:cNvPr>
@@ -2890,7 +2910,7 @@
           <p:cNvPr id="4" name="Date Placeholder 3">
             <a:extLst>
               <a:ext uri="{FF2B5EF4-FFF2-40B4-BE49-F238E27FC236}">
-                <a16:creationId xmlns:a16="http://schemas.microsoft.com/office/drawing/2014/main" id="{2309B8D7-C040-4184-8FCF-ED604DB2614B}"/>
+                <a16:creationId xmlns:a16="http://schemas.microsoft.com/office/drawing/2014/main" id="{1624EBE4-DD4C-494E-9752-07AEBC6367EB}"/>
               </a:ext>
             </a:extLst>
           </p:cNvPr>
@@ -2926,7 +2946,7 @@
           <a:p>
             <a:fld id="{B10F731C-8C3D-42B3-BECD-EBE9689F4777}" type="datetimeFigureOut">
               <a:rPr lang="ko-KR" altLang="en-US" smtClean="0"/>
-              <a:t>2019-01-15</a:t>
+              <a:t>2019-01-16</a:t>
             </a:fld>
             <a:endParaRPr lang="ko-KR" altLang="en-US"/>
           </a:p>
@@ -2937,7 +2957,7 @@
           <p:cNvPr id="5" name="Footer Placeholder 4">
             <a:extLst>
               <a:ext uri="{FF2B5EF4-FFF2-40B4-BE49-F238E27FC236}">
-                <a16:creationId xmlns:a16="http://schemas.microsoft.com/office/drawing/2014/main" id="{90A50A9F-8C69-4073-B556-02F2DC9E5AE0}"/>
+                <a16:creationId xmlns:a16="http://schemas.microsoft.com/office/drawing/2014/main" id="{D2CD421A-33E6-47E2-A5A4-7A4A496EE104}"/>
               </a:ext>
             </a:extLst>
           </p:cNvPr>
@@ -2980,7 +3000,7 @@
           <p:cNvPr id="6" name="Slide Number Placeholder 5">
             <a:extLst>
               <a:ext uri="{FF2B5EF4-FFF2-40B4-BE49-F238E27FC236}">
-                <a16:creationId xmlns:a16="http://schemas.microsoft.com/office/drawing/2014/main" id="{8771E58D-D945-42FD-847B-5A835A015516}"/>
+                <a16:creationId xmlns:a16="http://schemas.microsoft.com/office/drawing/2014/main" id="{E4B8D929-B944-4C7B-A2C1-9D94B4690C6F}"/>
               </a:ext>
             </a:extLst>
           </p:cNvPr>
@@ -3025,23 +3045,23 @@
     </p:spTree>
     <p:extLst>
       <p:ext uri="{BB962C8B-B14F-4D97-AF65-F5344CB8AC3E}">
-        <p14:creationId xmlns:p14="http://schemas.microsoft.com/office/powerpoint/2010/main" val="2721527625"/>
+        <p14:creationId xmlns:p14="http://schemas.microsoft.com/office/powerpoint/2010/main" val="3035557886"/>
       </p:ext>
     </p:extLst>
   </p:cSld>
   <p:clrMap bg1="lt1" tx1="dk1" bg2="lt2" tx2="dk2" accent1="accent1" accent2="accent2" accent3="accent3" accent4="accent4" accent5="accent5" accent6="accent6" hlink="hlink" folHlink="folHlink"/>
   <p:sldLayoutIdLst>
-    <p:sldLayoutId id="2147483649" r:id="rId1"/>
-    <p:sldLayoutId id="2147483650" r:id="rId2"/>
-    <p:sldLayoutId id="2147483651" r:id="rId3"/>
-    <p:sldLayoutId id="2147483652" r:id="rId4"/>
-    <p:sldLayoutId id="2147483653" r:id="rId5"/>
-    <p:sldLayoutId id="2147483654" r:id="rId6"/>
-    <p:sldLayoutId id="2147483655" r:id="rId7"/>
-    <p:sldLayoutId id="2147483656" r:id="rId8"/>
-    <p:sldLayoutId id="2147483657" r:id="rId9"/>
-    <p:sldLayoutId id="2147483658" r:id="rId10"/>
-    <p:sldLayoutId id="2147483659" r:id="rId11"/>
+    <p:sldLayoutId id="2147484032" r:id="rId1"/>
+    <p:sldLayoutId id="2147484033" r:id="rId2"/>
+    <p:sldLayoutId id="2147484034" r:id="rId3"/>
+    <p:sldLayoutId id="2147484035" r:id="rId4"/>
+    <p:sldLayoutId id="2147484036" r:id="rId5"/>
+    <p:sldLayoutId id="2147484037" r:id="rId6"/>
+    <p:sldLayoutId id="2147484038" r:id="rId7"/>
+    <p:sldLayoutId id="2147484039" r:id="rId8"/>
+    <p:sldLayoutId id="2147484040" r:id="rId9"/>
+    <p:sldLayoutId id="2147484041" r:id="rId10"/>
+    <p:sldLayoutId id="2147484042" r:id="rId11"/>
   </p:sldLayoutIdLst>
   <p:txStyles>
     <p:titleStyle>
@@ -3323,12 +3343,25 @@
       </a:lvl9pPr>
     </p:otherStyle>
   </p:txStyles>
+  <p:extLst>
+    <p:ext uri="{27BBF7A9-308A-43DC-89C8-2F10F3537804}">
+      <p15:sldGuideLst xmlns:p15="http://schemas.microsoft.com/office/powerpoint/2012/main"/>
+    </p:ext>
+  </p:extLst>
 </p:sldMaster>
 </file>
 
 <file path=ppt/slides/slide1.xml><?xml version="1.0" encoding="utf-8"?>
 <p:sld xmlns:a="http://schemas.openxmlformats.org/drawingml/2006/main" xmlns:r="http://schemas.openxmlformats.org/officeDocument/2006/relationships" xmlns:p="http://schemas.openxmlformats.org/presentationml/2006/main">
   <p:cSld>
+    <p:bg>
+      <p:bgPr>
+        <a:solidFill>
+          <a:schemeClr val="bg1"/>
+        </a:solidFill>
+        <a:effectLst/>
+      </p:bgPr>
+    </p:bg>
     <p:spTree>
       <p:nvGrpSpPr>
         <p:cNvPr id="1" name=""/>
@@ -3359,13 +3392,21 @@
             <p:ph type="ctrTitle"/>
           </p:nvPr>
         </p:nvSpPr>
-        <p:spPr/>
-        <p:txBody>
-          <a:bodyPr/>
-          <a:lstStyle/>
-          <a:p>
-            <a:r>
-              <a:rPr lang="ko-KR" altLang="en-US" dirty="0"/>
+        <p:spPr>
+          <a:xfrm>
+            <a:off x="2998892" y="2524109"/>
+            <a:ext cx="7020747" cy="698885"/>
+          </a:xfrm>
+        </p:spPr>
+        <p:txBody>
+          <a:bodyPr>
+            <a:normAutofit fontScale="90000"/>
+          </a:bodyPr>
+          <a:lstStyle/>
+          <a:p>
+            <a:pPr algn="l"/>
+            <a:r>
+              <a:rPr lang="ko-KR" altLang="en-US" sz="4500" dirty="0"/>
               <a:t>계산기 프로그램 만들기</a:t>
             </a:r>
           </a:p>
@@ -3387,13 +3428,28 @@
             <p:ph type="subTitle" idx="1"/>
           </p:nvPr>
         </p:nvSpPr>
-        <p:spPr/>
-        <p:txBody>
-          <a:bodyPr/>
-          <a:lstStyle/>
-          <a:p>
-            <a:r>
-              <a:rPr lang="ko-KR" altLang="en-US" dirty="0"/>
+        <p:spPr>
+          <a:xfrm>
+            <a:off x="3642586" y="3637581"/>
+            <a:ext cx="2949542" cy="5229630"/>
+          </a:xfrm>
+        </p:spPr>
+        <p:txBody>
+          <a:bodyPr>
+            <a:normAutofit/>
+          </a:bodyPr>
+          <a:lstStyle/>
+          <a:p>
+            <a:pPr algn="r"/>
+            <a:r>
+              <a:rPr lang="ko-KR" altLang="en-US" sz="2400" dirty="0">
+                <a:solidFill>
+                  <a:schemeClr val="tx1">
+                    <a:lumMod val="75000"/>
+                    <a:lumOff val="25000"/>
+                  </a:schemeClr>
+                </a:solidFill>
+              </a:rPr>
               <a:t>성예솔</a:t>
             </a:r>
           </a:p>
@@ -3539,6 +3595,13 @@
           <a:prstGeom prst="line">
             <a:avLst/>
           </a:prstGeom>
+          <a:ln>
+            <a:solidFill>
+              <a:schemeClr val="bg1">
+                <a:lumMod val="85000"/>
+              </a:schemeClr>
+            </a:solidFill>
+          </a:ln>
         </p:spPr>
         <p:style>
           <a:lnRef idx="1">
@@ -3569,8 +3632,8 @@
         </p:nvSpPr>
         <p:spPr>
           <a:xfrm>
-            <a:off x="6100011" y="1997820"/>
-            <a:ext cx="5253789" cy="3139321"/>
+            <a:off x="5594315" y="1603537"/>
+            <a:ext cx="5253789" cy="5355312"/>
           </a:xfrm>
           <a:prstGeom prst="rect">
             <a:avLst/>
@@ -3618,6 +3681,10 @@
               <a:buAutoNum type="arabicPeriod"/>
             </a:pPr>
             <a:r>
+              <a:rPr lang="en-US" altLang="ko-KR" dirty="0"/>
+              <a:t>//</a:t>
+            </a:r>
+            <a:r>
               <a:rPr lang="ko-KR" altLang="en-US" dirty="0"/>
               <a:t>괄호</a:t>
             </a:r>
@@ -3671,7 +3738,7 @@
             </a:pPr>
             <a:r>
               <a:rPr lang="ko-KR" altLang="en-US" dirty="0"/>
-              <a:t>기호 입력시 결과창 위에 만들어진 식 </a:t>
+              <a:t>부호 입력시 결과창 위에 만들어진 식 </a:t>
             </a:r>
             <a:endParaRPr lang="en-US" altLang="ko-KR" dirty="0"/>
           </a:p>
@@ -3683,6 +3750,97 @@
             <a:r>
               <a:rPr lang="ko-KR" altLang="en-US" dirty="0"/>
               <a:t>작게 띄우기 </a:t>
+            </a:r>
+            <a:endParaRPr lang="en-US" altLang="ko-KR" dirty="0"/>
+          </a:p>
+          <a:p>
+            <a:pPr marL="342900" indent="-342900">
+              <a:buAutoNum type="arabicPeriod" startAt="9"/>
+            </a:pPr>
+            <a:r>
+              <a:rPr lang="ko-KR" altLang="en-US" dirty="0"/>
+              <a:t>부호 먼저 입력시 앞에 </a:t>
+            </a:r>
+            <a:r>
+              <a:rPr lang="en-US" altLang="ko-KR" dirty="0"/>
+              <a:t>0</a:t>
+            </a:r>
+            <a:r>
+              <a:rPr lang="ko-KR" altLang="en-US" dirty="0"/>
+              <a:t>이 추가 됨 </a:t>
+            </a:r>
+            <a:endParaRPr lang="en-US" altLang="ko-KR" dirty="0"/>
+          </a:p>
+          <a:p>
+            <a:r>
+              <a:rPr lang="en-US" altLang="ko-KR" dirty="0"/>
+              <a:t>	ex. *</a:t>
+            </a:r>
+            <a:r>
+              <a:rPr lang="ko-KR" altLang="en-US" dirty="0"/>
+              <a:t>입력시 </a:t>
+            </a:r>
+            <a:r>
+              <a:rPr lang="en-US" altLang="ko-KR" dirty="0"/>
+              <a:t>0*</a:t>
+            </a:r>
+          </a:p>
+          <a:p>
+            <a:r>
+              <a:rPr lang="en-US" altLang="ko-KR" dirty="0"/>
+              <a:t>10. </a:t>
+            </a:r>
+            <a:r>
+              <a:rPr lang="ko-KR" altLang="en-US" dirty="0"/>
+              <a:t>부호를 연속으로 입력 시 최근에 누른 부호만 인식</a:t>
+            </a:r>
+            <a:endParaRPr lang="en-US" altLang="ko-KR" dirty="0"/>
+          </a:p>
+          <a:p>
+            <a:r>
+              <a:rPr lang="en-US" altLang="ko-KR" dirty="0"/>
+              <a:t>11. +- </a:t>
+            </a:r>
+            <a:r>
+              <a:rPr lang="ko-KR" altLang="en-US" dirty="0"/>
+              <a:t>입력후 숫자 입력시 숫자 부호 변경</a:t>
+            </a:r>
+            <a:endParaRPr lang="en-US" altLang="ko-KR" dirty="0"/>
+          </a:p>
+          <a:p>
+            <a:r>
+              <a:rPr lang="en-US" altLang="ko-KR" dirty="0"/>
+              <a:t>12. = </a:t>
+            </a:r>
+            <a:r>
+              <a:rPr lang="ko-KR" altLang="en-US" dirty="0"/>
+              <a:t>쓰기 전까지 중첩 계산 </a:t>
+            </a:r>
+            <a:endParaRPr lang="en-US" altLang="ko-KR" dirty="0"/>
+          </a:p>
+          <a:p>
+            <a:r>
+              <a:rPr lang="en-US" altLang="ko-KR" dirty="0"/>
+              <a:t>13. </a:t>
+            </a:r>
+            <a:r>
+              <a:rPr lang="ko-KR" altLang="en-US" dirty="0"/>
+              <a:t>소수점 계산 </a:t>
+            </a:r>
+            <a:r>
+              <a:rPr lang="en-US" altLang="ko-KR" dirty="0"/>
+              <a:t>16</a:t>
+            </a:r>
+            <a:r>
+              <a:rPr lang="ko-KR" altLang="en-US" dirty="0"/>
+              <a:t>자리 </a:t>
+            </a:r>
+            <a:endParaRPr lang="en-US" altLang="ko-KR" dirty="0"/>
+          </a:p>
+          <a:p>
+            <a:r>
+              <a:rPr lang="ko-KR" altLang="en-US" dirty="0"/>
+              <a:t>  </a:t>
             </a:r>
             <a:endParaRPr lang="en-US" altLang="ko-KR" dirty="0"/>
           </a:p>
@@ -3690,6 +3848,46 @@
             <a:pPr marL="342900" indent="-342900">
               <a:buAutoNum type="arabicPeriod"/>
             </a:pPr>
+            <a:endParaRPr lang="ko-KR" altLang="en-US" dirty="0"/>
+          </a:p>
+        </p:txBody>
+      </p:sp>
+      <p:sp>
+        <p:nvSpPr>
+          <p:cNvPr id="3" name="TextBox 2">
+            <a:extLst>
+              <a:ext uri="{FF2B5EF4-FFF2-40B4-BE49-F238E27FC236}">
+                <a16:creationId xmlns:a16="http://schemas.microsoft.com/office/drawing/2014/main" id="{27A723F1-08A5-4B79-A39F-C5132ABDC3A0}"/>
+              </a:ext>
+            </a:extLst>
+          </p:cNvPr>
+          <p:cNvSpPr txBox="1"/>
+          <p:nvPr/>
+        </p:nvSpPr>
+        <p:spPr>
+          <a:xfrm>
+            <a:off x="1929468" y="5385732"/>
+            <a:ext cx="1602297" cy="369332"/>
+          </a:xfrm>
+          <a:prstGeom prst="rect">
+            <a:avLst/>
+          </a:prstGeom>
+          <a:noFill/>
+        </p:spPr>
+        <p:txBody>
+          <a:bodyPr wrap="square" rtlCol="0">
+            <a:spAutoFit/>
+          </a:bodyPr>
+          <a:lstStyle/>
+          <a:p>
+            <a:r>
+              <a:rPr lang="ko-KR" altLang="en-US" dirty="0"/>
+              <a:t>계산기 </a:t>
+            </a:r>
+            <a:r>
+              <a:rPr lang="en-US" altLang="ko-KR" dirty="0"/>
+              <a:t>UI</a:t>
+            </a:r>
             <a:endParaRPr lang="ko-KR" altLang="en-US" dirty="0"/>
           </a:p>
         </p:txBody>
